--- a/doc/UI_color.pptx
+++ b/doc/UI_color.pptx
@@ -245,7 +245,7 @@
           <a:p>
             <a:fld id="{6D17E9A3-99AE-4753-B9FC-3D4B06293601}" type="datetimeFigureOut">
               <a:rPr lang="ko-KR" altLang="en-US" smtClean="0"/>
-              <a:t>2015-09-17</a:t>
+              <a:t>2015-09-28</a:t>
             </a:fld>
             <a:endParaRPr lang="ko-KR" altLang="en-US"/>
           </a:p>
@@ -415,7 +415,7 @@
           <a:p>
             <a:fld id="{6D17E9A3-99AE-4753-B9FC-3D4B06293601}" type="datetimeFigureOut">
               <a:rPr lang="ko-KR" altLang="en-US" smtClean="0"/>
-              <a:t>2015-09-17</a:t>
+              <a:t>2015-09-28</a:t>
             </a:fld>
             <a:endParaRPr lang="ko-KR" altLang="en-US"/>
           </a:p>
@@ -595,7 +595,7 @@
           <a:p>
             <a:fld id="{6D17E9A3-99AE-4753-B9FC-3D4B06293601}" type="datetimeFigureOut">
               <a:rPr lang="ko-KR" altLang="en-US" smtClean="0"/>
-              <a:t>2015-09-17</a:t>
+              <a:t>2015-09-28</a:t>
             </a:fld>
             <a:endParaRPr lang="ko-KR" altLang="en-US"/>
           </a:p>
@@ -765,7 +765,7 @@
           <a:p>
             <a:fld id="{6D17E9A3-99AE-4753-B9FC-3D4B06293601}" type="datetimeFigureOut">
               <a:rPr lang="ko-KR" altLang="en-US" smtClean="0"/>
-              <a:t>2015-09-17</a:t>
+              <a:t>2015-09-28</a:t>
             </a:fld>
             <a:endParaRPr lang="ko-KR" altLang="en-US"/>
           </a:p>
@@ -1011,7 +1011,7 @@
           <a:p>
             <a:fld id="{6D17E9A3-99AE-4753-B9FC-3D4B06293601}" type="datetimeFigureOut">
               <a:rPr lang="ko-KR" altLang="en-US" smtClean="0"/>
-              <a:t>2015-09-17</a:t>
+              <a:t>2015-09-28</a:t>
             </a:fld>
             <a:endParaRPr lang="ko-KR" altLang="en-US"/>
           </a:p>
@@ -1243,7 +1243,7 @@
           <a:p>
             <a:fld id="{6D17E9A3-99AE-4753-B9FC-3D4B06293601}" type="datetimeFigureOut">
               <a:rPr lang="ko-KR" altLang="en-US" smtClean="0"/>
-              <a:t>2015-09-17</a:t>
+              <a:t>2015-09-28</a:t>
             </a:fld>
             <a:endParaRPr lang="ko-KR" altLang="en-US"/>
           </a:p>
@@ -1610,7 +1610,7 @@
           <a:p>
             <a:fld id="{6D17E9A3-99AE-4753-B9FC-3D4B06293601}" type="datetimeFigureOut">
               <a:rPr lang="ko-KR" altLang="en-US" smtClean="0"/>
-              <a:t>2015-09-17</a:t>
+              <a:t>2015-09-28</a:t>
             </a:fld>
             <a:endParaRPr lang="ko-KR" altLang="en-US"/>
           </a:p>
@@ -1728,7 +1728,7 @@
           <a:p>
             <a:fld id="{6D17E9A3-99AE-4753-B9FC-3D4B06293601}" type="datetimeFigureOut">
               <a:rPr lang="ko-KR" altLang="en-US" smtClean="0"/>
-              <a:t>2015-09-17</a:t>
+              <a:t>2015-09-28</a:t>
             </a:fld>
             <a:endParaRPr lang="ko-KR" altLang="en-US"/>
           </a:p>
@@ -1823,7 +1823,7 @@
           <a:p>
             <a:fld id="{6D17E9A3-99AE-4753-B9FC-3D4B06293601}" type="datetimeFigureOut">
               <a:rPr lang="ko-KR" altLang="en-US" smtClean="0"/>
-              <a:t>2015-09-17</a:t>
+              <a:t>2015-09-28</a:t>
             </a:fld>
             <a:endParaRPr lang="ko-KR" altLang="en-US"/>
           </a:p>
@@ -2100,7 +2100,7 @@
           <a:p>
             <a:fld id="{6D17E9A3-99AE-4753-B9FC-3D4B06293601}" type="datetimeFigureOut">
               <a:rPr lang="ko-KR" altLang="en-US" smtClean="0"/>
-              <a:t>2015-09-17</a:t>
+              <a:t>2015-09-28</a:t>
             </a:fld>
             <a:endParaRPr lang="ko-KR" altLang="en-US"/>
           </a:p>
@@ -2353,7 +2353,7 @@
           <a:p>
             <a:fld id="{6D17E9A3-99AE-4753-B9FC-3D4B06293601}" type="datetimeFigureOut">
               <a:rPr lang="ko-KR" altLang="en-US" smtClean="0"/>
-              <a:t>2015-09-17</a:t>
+              <a:t>2015-09-28</a:t>
             </a:fld>
             <a:endParaRPr lang="ko-KR" altLang="en-US"/>
           </a:p>
@@ -2566,7 +2566,7 @@
           <a:p>
             <a:fld id="{6D17E9A3-99AE-4753-B9FC-3D4B06293601}" type="datetimeFigureOut">
               <a:rPr lang="ko-KR" altLang="en-US" smtClean="0"/>
-              <a:t>2015-09-17</a:t>
+              <a:t>2015-09-28</a:t>
             </a:fld>
             <a:endParaRPr lang="ko-KR" altLang="en-US"/>
           </a:p>
@@ -3805,6 +3805,60 @@
           </a:p>
         </p:txBody>
       </p:sp>
+      <p:sp>
+        <p:nvSpPr>
+          <p:cNvPr id="2" name="TextBox 1"/>
+          <p:cNvSpPr txBox="1"/>
+          <p:nvPr/>
+        </p:nvSpPr>
+        <p:spPr>
+          <a:xfrm>
+            <a:off x="1015253" y="5977260"/>
+            <a:ext cx="10170654" cy="369332"/>
+          </a:xfrm>
+          <a:prstGeom prst="rect">
+            <a:avLst/>
+          </a:prstGeom>
+          <a:noFill/>
+        </p:spPr>
+        <p:txBody>
+          <a:bodyPr wrap="square" rtlCol="0">
+            <a:spAutoFit/>
+          </a:bodyPr>
+          <a:lstStyle/>
+          <a:p>
+            <a:r>
+              <a:rPr lang="en-US" altLang="ko-KR" dirty="0" smtClean="0"/>
+              <a:t>UI design has been changed slightly. This document is </a:t>
+            </a:r>
+            <a:r>
+              <a:rPr lang="en-US" altLang="ko-KR" dirty="0" smtClean="0">
+                <a:solidFill>
+                  <a:srgbClr val="FF0000"/>
+                </a:solidFill>
+              </a:rPr>
+              <a:t>only</a:t>
+            </a:r>
+            <a:r>
+              <a:rPr lang="en-US" altLang="ko-KR" dirty="0" smtClean="0"/>
+              <a:t> used to </a:t>
+            </a:r>
+            <a:r>
+              <a:rPr lang="en-US" altLang="ko-KR" dirty="0" smtClean="0">
+                <a:solidFill>
+                  <a:srgbClr val="FF0000"/>
+                </a:solidFill>
+              </a:rPr>
+              <a:t>determine the color</a:t>
+            </a:r>
+            <a:r>
+              <a:rPr lang="en-US" altLang="ko-KR" dirty="0" smtClean="0"/>
+              <a:t>, please.</a:t>
+            </a:r>
+            <a:endParaRPr lang="ko-KR" altLang="en-US" dirty="0"/>
+          </a:p>
+        </p:txBody>
+      </p:sp>
     </p:spTree>
     <p:extLst>
       <p:ext uri="{BB962C8B-B14F-4D97-AF65-F5344CB8AC3E}">
@@ -4561,6 +4615,60 @@
           </a:p>
         </p:txBody>
       </p:sp>
+      <p:sp>
+        <p:nvSpPr>
+          <p:cNvPr id="24" name="TextBox 23"/>
+          <p:cNvSpPr txBox="1"/>
+          <p:nvPr/>
+        </p:nvSpPr>
+        <p:spPr>
+          <a:xfrm>
+            <a:off x="1015253" y="6287503"/>
+            <a:ext cx="10170654" cy="369332"/>
+          </a:xfrm>
+          <a:prstGeom prst="rect">
+            <a:avLst/>
+          </a:prstGeom>
+          <a:noFill/>
+        </p:spPr>
+        <p:txBody>
+          <a:bodyPr wrap="square" rtlCol="0">
+            <a:spAutoFit/>
+          </a:bodyPr>
+          <a:lstStyle/>
+          <a:p>
+            <a:r>
+              <a:rPr lang="en-US" altLang="ko-KR" dirty="0" smtClean="0"/>
+              <a:t>UI design has been changed slightly. This document is </a:t>
+            </a:r>
+            <a:r>
+              <a:rPr lang="en-US" altLang="ko-KR" dirty="0" smtClean="0">
+                <a:solidFill>
+                  <a:srgbClr val="FF0000"/>
+                </a:solidFill>
+              </a:rPr>
+              <a:t>only</a:t>
+            </a:r>
+            <a:r>
+              <a:rPr lang="en-US" altLang="ko-KR" dirty="0" smtClean="0"/>
+              <a:t> used to </a:t>
+            </a:r>
+            <a:r>
+              <a:rPr lang="en-US" altLang="ko-KR" dirty="0" smtClean="0">
+                <a:solidFill>
+                  <a:srgbClr val="FF0000"/>
+                </a:solidFill>
+              </a:rPr>
+              <a:t>determine the color</a:t>
+            </a:r>
+            <a:r>
+              <a:rPr lang="en-US" altLang="ko-KR" dirty="0" smtClean="0"/>
+              <a:t>, please.</a:t>
+            </a:r>
+            <a:endParaRPr lang="ko-KR" altLang="en-US" dirty="0"/>
+          </a:p>
+        </p:txBody>
+      </p:sp>
     </p:spTree>
     <p:extLst>
       <p:ext uri="{BB962C8B-B14F-4D97-AF65-F5344CB8AC3E}">
@@ -5412,6 +5520,60 @@
             <a:r>
               <a:rPr lang="en-US" altLang="ko-KR" dirty="0" smtClean="0"/>
               <a:t>gray2 (666666)</a:t>
+            </a:r>
+            <a:endParaRPr lang="ko-KR" altLang="en-US" dirty="0"/>
+          </a:p>
+        </p:txBody>
+      </p:sp>
+      <p:sp>
+        <p:nvSpPr>
+          <p:cNvPr id="28" name="TextBox 27"/>
+          <p:cNvSpPr txBox="1"/>
+          <p:nvPr/>
+        </p:nvSpPr>
+        <p:spPr>
+          <a:xfrm>
+            <a:off x="1015253" y="6254845"/>
+            <a:ext cx="10170654" cy="369332"/>
+          </a:xfrm>
+          <a:prstGeom prst="rect">
+            <a:avLst/>
+          </a:prstGeom>
+          <a:noFill/>
+        </p:spPr>
+        <p:txBody>
+          <a:bodyPr wrap="square" rtlCol="0">
+            <a:spAutoFit/>
+          </a:bodyPr>
+          <a:lstStyle/>
+          <a:p>
+            <a:r>
+              <a:rPr lang="en-US" altLang="ko-KR" dirty="0" smtClean="0"/>
+              <a:t>UI design has been changed slightly. This document is </a:t>
+            </a:r>
+            <a:r>
+              <a:rPr lang="en-US" altLang="ko-KR" dirty="0" smtClean="0">
+                <a:solidFill>
+                  <a:srgbClr val="FF0000"/>
+                </a:solidFill>
+              </a:rPr>
+              <a:t>only</a:t>
+            </a:r>
+            <a:r>
+              <a:rPr lang="en-US" altLang="ko-KR" dirty="0" smtClean="0"/>
+              <a:t> used to </a:t>
+            </a:r>
+            <a:r>
+              <a:rPr lang="en-US" altLang="ko-KR" dirty="0" smtClean="0">
+                <a:solidFill>
+                  <a:srgbClr val="FF0000"/>
+                </a:solidFill>
+              </a:rPr>
+              <a:t>determine the color</a:t>
+            </a:r>
+            <a:r>
+              <a:rPr lang="en-US" altLang="ko-KR" dirty="0" smtClean="0"/>
+              <a:t>, please.</a:t>
             </a:r>
             <a:endParaRPr lang="ko-KR" altLang="en-US" dirty="0"/>
           </a:p>
